--- a/prez.pptx
+++ b/prez.pptx
@@ -7,10 +7,11 @@
   <p:sldIdLst>
     <p:sldId id="256" r:id="rId2"/>
     <p:sldId id="257" r:id="rId3"/>
-    <p:sldId id="259" r:id="rId4"/>
-    <p:sldId id="260" r:id="rId5"/>
-    <p:sldId id="258" r:id="rId6"/>
-    <p:sldId id="261" r:id="rId7"/>
+    <p:sldId id="262" r:id="rId4"/>
+    <p:sldId id="259" r:id="rId5"/>
+    <p:sldId id="260" r:id="rId6"/>
+    <p:sldId id="258" r:id="rId7"/>
+    <p:sldId id="261" r:id="rId8"/>
   </p:sldIdLst>
   <p:sldSz cx="9144000" cy="6858000" type="screen4x3"/>
   <p:notesSz cx="6858000" cy="9144000"/>
@@ -109,6 +110,11 @@
       </a:defRPr>
     </a:lvl9pPr>
   </p:defaultTextStyle>
+  <p:extLst>
+    <p:ext uri="{EFAFB233-063F-42B5-8137-9DF3F51BA10A}">
+      <p15:sldGuideLst xmlns:p15="http://schemas.microsoft.com/office/powerpoint/2012/main"/>
+    </p:ext>
+  </p:extLst>
 </p:presentation>
 </file>
 
@@ -6384,7 +6390,7 @@
           <p:cNvPr id="5" name="pole tekstowe 4">
             <a:extLst>
               <a:ext uri="{FF2B5EF4-FFF2-40B4-BE49-F238E27FC236}">
-                <a16:creationId xmlns:a16="http://schemas.microsoft.com/office/drawing/2014/main" id="{A6040C34-4509-4539-A098-C5BC233A0BDD}"/>
+                <a16:creationId xmlns="" xmlns:a16="http://schemas.microsoft.com/office/drawing/2014/main" id="{A6040C34-4509-4539-A098-C5BC233A0BDD}"/>
               </a:ext>
             </a:extLst>
           </p:cNvPr>
@@ -6455,7 +6461,7 @@
           <p:cNvPr id="2" name="Tytuł 1">
             <a:extLst>
               <a:ext uri="{FF2B5EF4-FFF2-40B4-BE49-F238E27FC236}">
-                <a16:creationId xmlns:a16="http://schemas.microsoft.com/office/drawing/2014/main" id="{FCB7099A-6CB0-465C-9857-28CA5F7E3F05}"/>
+                <a16:creationId xmlns="" xmlns:a16="http://schemas.microsoft.com/office/drawing/2014/main" id="{FCB7099A-6CB0-465C-9857-28CA5F7E3F05}"/>
               </a:ext>
             </a:extLst>
           </p:cNvPr>
@@ -6527,7 +6533,7 @@
           <p:cNvPr id="15" name="pole tekstowe 14">
             <a:extLst>
               <a:ext uri="{FF2B5EF4-FFF2-40B4-BE49-F238E27FC236}">
-                <a16:creationId xmlns:a16="http://schemas.microsoft.com/office/drawing/2014/main" id="{1C8D5799-22FC-4FA8-8879-EC92E85427A2}"/>
+                <a16:creationId xmlns="" xmlns:a16="http://schemas.microsoft.com/office/drawing/2014/main" id="{1C8D5799-22FC-4FA8-8879-EC92E85427A2}"/>
               </a:ext>
             </a:extLst>
           </p:cNvPr>
@@ -6616,7 +6622,7 @@
           <p:cNvPr id="18" name="pole tekstowe 17">
             <a:extLst>
               <a:ext uri="{FF2B5EF4-FFF2-40B4-BE49-F238E27FC236}">
-                <a16:creationId xmlns:a16="http://schemas.microsoft.com/office/drawing/2014/main" id="{CE37D492-29BC-4B45-9603-B9A5D8A34251}"/>
+                <a16:creationId xmlns="" xmlns:a16="http://schemas.microsoft.com/office/drawing/2014/main" id="{CE37D492-29BC-4B45-9603-B9A5D8A34251}"/>
               </a:ext>
             </a:extLst>
           </p:cNvPr>
@@ -6685,7 +6691,7 @@
           <p:cNvPr id="25" name="Łącznik prosty 24">
             <a:extLst>
               <a:ext uri="{FF2B5EF4-FFF2-40B4-BE49-F238E27FC236}">
-                <a16:creationId xmlns:a16="http://schemas.microsoft.com/office/drawing/2014/main" id="{D58695A2-B0E8-473F-8B78-6C9334590F5E}"/>
+                <a16:creationId xmlns="" xmlns:a16="http://schemas.microsoft.com/office/drawing/2014/main" id="{D58695A2-B0E8-473F-8B78-6C9334590F5E}"/>
               </a:ext>
             </a:extLst>
           </p:cNvPr>
@@ -6724,7 +6730,7 @@
           <p:cNvPr id="26" name="Łącznik prosty 25">
             <a:extLst>
               <a:ext uri="{FF2B5EF4-FFF2-40B4-BE49-F238E27FC236}">
-                <a16:creationId xmlns:a16="http://schemas.microsoft.com/office/drawing/2014/main" id="{6AC2AC8B-9552-495C-A7C7-25B24AB6921E}"/>
+                <a16:creationId xmlns="" xmlns:a16="http://schemas.microsoft.com/office/drawing/2014/main" id="{6AC2AC8B-9552-495C-A7C7-25B24AB6921E}"/>
               </a:ext>
             </a:extLst>
           </p:cNvPr>
@@ -6763,7 +6769,7 @@
           <p:cNvPr id="30" name="pole tekstowe 29">
             <a:extLst>
               <a:ext uri="{FF2B5EF4-FFF2-40B4-BE49-F238E27FC236}">
-                <a16:creationId xmlns:a16="http://schemas.microsoft.com/office/drawing/2014/main" id="{FEDBB13E-A214-4700-A6D1-3CF625C62AED}"/>
+                <a16:creationId xmlns="" xmlns:a16="http://schemas.microsoft.com/office/drawing/2014/main" id="{FEDBB13E-A214-4700-A6D1-3CF625C62AED}"/>
               </a:ext>
             </a:extLst>
           </p:cNvPr>
@@ -6940,7 +6946,7 @@
           <p:cNvPr id="32" name="pole tekstowe 31">
             <a:extLst>
               <a:ext uri="{FF2B5EF4-FFF2-40B4-BE49-F238E27FC236}">
-                <a16:creationId xmlns:a16="http://schemas.microsoft.com/office/drawing/2014/main" id="{8E04ACD9-D683-474E-92D7-97E7D1A7A31A}"/>
+                <a16:creationId xmlns="" xmlns:a16="http://schemas.microsoft.com/office/drawing/2014/main" id="{8E04ACD9-D683-474E-92D7-97E7D1A7A31A}"/>
               </a:ext>
             </a:extLst>
           </p:cNvPr>
@@ -7115,13 +7121,7 @@
       </p:grpSpPr>
       <p:sp>
         <p:nvSpPr>
-          <p:cNvPr id="2" name="Tytuł 1">
-            <a:extLst>
-              <a:ext uri="{FF2B5EF4-FFF2-40B4-BE49-F238E27FC236}">
-                <a16:creationId xmlns:a16="http://schemas.microsoft.com/office/drawing/2014/main" id="{331C9041-C756-4A43-831F-0A85CDB4824F}"/>
-              </a:ext>
-            </a:extLst>
-          </p:cNvPr>
+          <p:cNvPr id="2" name="Tytuł 1"/>
           <p:cNvSpPr>
             <a:spLocks noGrp="1"/>
           </p:cNvSpPr>
@@ -7135,30 +7135,16 @@
           <a:lstStyle/>
           <a:p>
             <a:r>
-              <a:rPr lang="en-US" dirty="0" err="1"/>
-              <a:t>Algorytm</a:t>
-            </a:r>
-            <a:r>
-              <a:rPr lang="en-US" dirty="0"/>
-              <a:t> </a:t>
-            </a:r>
-            <a:r>
-              <a:rPr lang="en-US" dirty="0" err="1"/>
-              <a:t>wstawień</a:t>
-            </a:r>
-            <a:endParaRPr lang="en-US" dirty="0"/>
-          </a:p>
-        </p:txBody>
-      </p:sp>
-      <p:sp>
-        <p:nvSpPr>
-          <p:cNvPr id="3" name="Symbol zastępczy zawartości 2">
-            <a:extLst>
-              <a:ext uri="{FF2B5EF4-FFF2-40B4-BE49-F238E27FC236}">
-                <a16:creationId xmlns:a16="http://schemas.microsoft.com/office/drawing/2014/main" id="{B030F021-3ACE-437B-8E1D-8BE6790830D0}"/>
-              </a:ext>
-            </a:extLst>
-          </p:cNvPr>
+              <a:rPr lang="pl-PL" dirty="0" smtClean="0"/>
+              <a:t>Algorytm wstawień</a:t>
+            </a:r>
+            <a:endParaRPr lang="en-GB" dirty="0"/>
+          </a:p>
+        </p:txBody>
+      </p:sp>
+      <p:sp>
+        <p:nvSpPr>
+          <p:cNvPr id="3" name="Symbol zastępczy zawartości 2"/>
           <p:cNvSpPr>
             <a:spLocks noGrp="1"/>
           </p:cNvSpPr>
@@ -7166,107 +7152,132 @@
             <p:ph idx="1"/>
           </p:nvPr>
         </p:nvSpPr>
-        <p:spPr>
-          <a:xfrm>
-            <a:off x="482598" y="1488613"/>
-            <a:ext cx="6807201" cy="4632787"/>
-          </a:xfrm>
-        </p:spPr>
+        <p:spPr/>
         <p:txBody>
           <a:bodyPr>
-            <a:normAutofit/>
+            <a:normAutofit fontScale="92500" lnSpcReduction="20000"/>
           </a:bodyPr>
           <a:lstStyle/>
           <a:p>
-            <a:r>
-              <a:rPr lang="pl-PL" sz="2000" dirty="0"/>
-              <a:t>1. Wygenerowanie listy zajęć posortowanej według jakiegoś priorytetu </a:t>
-            </a:r>
-          </a:p>
-          <a:p>
-            <a:r>
-              <a:rPr lang="pl-PL" sz="2000" dirty="0"/>
-              <a:t>2. Wstawienie pierwszego </a:t>
-            </a:r>
-            <a:r>
-              <a:rPr lang="pl-PL" sz="2000" dirty="0" err="1"/>
-              <a:t>zaję</a:t>
-            </a:r>
-            <a:r>
-              <a:rPr lang="en-US" sz="2000" dirty="0"/>
-              <a:t>ci</a:t>
-            </a:r>
-            <a:r>
-              <a:rPr lang="pl-PL" sz="2000" dirty="0"/>
-              <a:t>a do planu w każde możliwe miej</a:t>
-            </a:r>
-            <a:r>
-              <a:rPr lang="en-US" sz="2000" dirty="0"/>
-              <a:t>s</a:t>
-            </a:r>
-            <a:r>
-              <a:rPr lang="pl-PL" sz="2000" dirty="0"/>
-              <a:t>ce planu i obliczenie wartości funkcji celu</a:t>
-            </a:r>
-            <a:r>
-              <a:rPr lang="en-US" sz="2000" dirty="0"/>
-              <a:t> </a:t>
-            </a:r>
-            <a:r>
-              <a:rPr lang="en-US" sz="2000" dirty="0" err="1"/>
-              <a:t>dla</a:t>
-            </a:r>
-            <a:r>
-              <a:rPr lang="en-US" sz="2000" dirty="0"/>
-              <a:t> </a:t>
-            </a:r>
-            <a:r>
-              <a:rPr lang="en-US" sz="2000" dirty="0" err="1"/>
-              <a:t>tego</a:t>
-            </a:r>
-            <a:r>
-              <a:rPr lang="en-US" sz="2000" dirty="0"/>
-              <a:t> </a:t>
-            </a:r>
-            <a:r>
-              <a:rPr lang="en-US" sz="2000" dirty="0" err="1"/>
-              <a:t>wstawienia</a:t>
-            </a:r>
-            <a:endParaRPr lang="pl-PL" sz="2000" dirty="0"/>
-          </a:p>
-          <a:p>
-            <a:r>
-              <a:rPr lang="pl-PL" sz="2000" dirty="0"/>
-              <a:t>3. Pozostawienie zajęcie w tym miejscu gdzie wartość funkcji celu jest najmniejsza</a:t>
-            </a:r>
-          </a:p>
-          <a:p>
-            <a:r>
-              <a:rPr lang="pl-PL" sz="2000" dirty="0"/>
-              <a:t>4. Usunięcie wstawionego zadania z listy zajęć</a:t>
-            </a:r>
-          </a:p>
-          <a:p>
-            <a:r>
-              <a:rPr lang="pl-PL" sz="2000" dirty="0"/>
-              <a:t>5. Powtarzanie kroków 2-4 aż do skończenia się zajęć do podzielenia</a:t>
-            </a:r>
-          </a:p>
-          <a:p>
             <a:pPr marL="0" indent="0">
               <a:buNone/>
             </a:pPr>
             <a:r>
-              <a:rPr lang="pl-PL" sz="2000" dirty="0"/>
-              <a:t>Uzyskany plan jest rozwiązaniem zwracanym przez algorytm</a:t>
-            </a:r>
+              <a:rPr lang="pl-PL" dirty="0" smtClean="0"/>
+              <a:t>Algorytm heurystyczny, często wykorzystywany w problemach harmonogramowania projektu.</a:t>
+            </a:r>
+          </a:p>
+          <a:p>
+            <a:pPr marL="0" indent="0">
+              <a:buNone/>
+            </a:pPr>
+            <a:r>
+              <a:rPr lang="pl-PL" dirty="0" smtClean="0"/>
+              <a:t>Zasada działania:</a:t>
+            </a:r>
+          </a:p>
+          <a:p>
+            <a:pPr marL="493776" lvl="1" indent="-342900">
+              <a:buFont typeface="+mj-lt"/>
+              <a:buAutoNum type="arabicPeriod"/>
+            </a:pPr>
+            <a:r>
+              <a:rPr lang="pl-PL" dirty="0" smtClean="0"/>
+              <a:t>Wyznaczenie </a:t>
+            </a:r>
+            <a:r>
+              <a:rPr lang="pl-PL" dirty="0"/>
+              <a:t>listy wszystkich zadań, które mają być uwzględnione w harmonogramie. </a:t>
+            </a:r>
+            <a:r>
+              <a:rPr lang="pl-PL" dirty="0" smtClean="0"/>
+              <a:t>Zadania </a:t>
+            </a:r>
+            <a:r>
+              <a:rPr lang="pl-PL" dirty="0"/>
+              <a:t>powinny być uporządkowane (np. według priorytetu) w zależności od wymagań i </a:t>
+            </a:r>
+            <a:r>
+              <a:rPr lang="pl-PL" dirty="0" smtClean="0"/>
+              <a:t>ograniczeń</a:t>
+            </a:r>
+            <a:endParaRPr lang="pl-PL" dirty="0"/>
+          </a:p>
+          <a:p>
+            <a:pPr marL="493776" lvl="1" indent="-342900">
+              <a:buFont typeface="+mj-lt"/>
+              <a:buAutoNum type="arabicPeriod"/>
+            </a:pPr>
+            <a:r>
+              <a:rPr lang="pl-PL" dirty="0" smtClean="0"/>
+              <a:t>Wstawienie </a:t>
+            </a:r>
+            <a:r>
+              <a:rPr lang="pl-PL" dirty="0"/>
+              <a:t>pierwszego </a:t>
+            </a:r>
+            <a:r>
+              <a:rPr lang="pl-PL" dirty="0" smtClean="0"/>
+              <a:t>zadania na liście do </a:t>
+            </a:r>
+            <a:r>
+              <a:rPr lang="pl-PL" dirty="0"/>
+              <a:t>planu w każde możliwe miejsce planu i obliczenie wartości funkcji celu dla tego wstawienia</a:t>
+            </a:r>
+          </a:p>
+          <a:p>
+            <a:pPr marL="493776" lvl="1" indent="-342900">
+              <a:buFont typeface="+mj-lt"/>
+              <a:buAutoNum type="arabicPeriod"/>
+            </a:pPr>
+            <a:r>
+              <a:rPr lang="pl-PL" dirty="0" smtClean="0"/>
+              <a:t>Pozostawienie </a:t>
+            </a:r>
+            <a:r>
+              <a:rPr lang="pl-PL" dirty="0"/>
+              <a:t>zajęcie w tym miejscu gdzie wartość funkcji celu jest najmniejsza</a:t>
+            </a:r>
+          </a:p>
+          <a:p>
+            <a:pPr marL="493776" lvl="1" indent="-342900">
+              <a:buFont typeface="+mj-lt"/>
+              <a:buAutoNum type="arabicPeriod"/>
+            </a:pPr>
+            <a:r>
+              <a:rPr lang="pl-PL" dirty="0" smtClean="0"/>
+              <a:t>Usunięcie </a:t>
+            </a:r>
+            <a:r>
+              <a:rPr lang="pl-PL" dirty="0"/>
+              <a:t>wstawionego zadania z listy zajęć</a:t>
+            </a:r>
+          </a:p>
+          <a:p>
+            <a:pPr marL="493776" lvl="1" indent="-342900">
+              <a:buFont typeface="+mj-lt"/>
+              <a:buAutoNum type="arabicPeriod"/>
+            </a:pPr>
+            <a:r>
+              <a:rPr lang="pl-PL" dirty="0" smtClean="0"/>
+              <a:t>Powtarzanie </a:t>
+            </a:r>
+            <a:r>
+              <a:rPr lang="pl-PL" dirty="0"/>
+              <a:t>kroków 2-4 </a:t>
+            </a:r>
+            <a:r>
+              <a:rPr lang="pl-PL" dirty="0" smtClean="0"/>
+              <a:t>do momentu przypisania wszystkich zadań. Otrzymane rozwiązanie zostaje zwrócone przez algorytm</a:t>
+            </a:r>
+            <a:endParaRPr lang="pl-PL" dirty="0" smtClean="0"/>
           </a:p>
         </p:txBody>
       </p:sp>
     </p:spTree>
     <p:extLst>
       <p:ext uri="{BB962C8B-B14F-4D97-AF65-F5344CB8AC3E}">
-        <p14:creationId xmlns:p14="http://schemas.microsoft.com/office/powerpoint/2010/main" val="1522505631"/>
+        <p14:creationId xmlns:p14="http://schemas.microsoft.com/office/powerpoint/2010/main" val="119430306"/>
       </p:ext>
     </p:extLst>
   </p:cSld>
@@ -7293,12 +7304,185 @@
           <a:chExt cx="0" cy="0"/>
         </a:xfrm>
       </p:grpSpPr>
+      <p:sp>
+        <p:nvSpPr>
+          <p:cNvPr id="2" name="Tytuł 1">
+            <a:extLst>
+              <a:ext uri="{FF2B5EF4-FFF2-40B4-BE49-F238E27FC236}">
+                <a16:creationId xmlns="" xmlns:a16="http://schemas.microsoft.com/office/drawing/2014/main" id="{331C9041-C756-4A43-831F-0A85CDB4824F}"/>
+              </a:ext>
+            </a:extLst>
+          </p:cNvPr>
+          <p:cNvSpPr>
+            <a:spLocks noGrp="1"/>
+          </p:cNvSpPr>
+          <p:nvPr>
+            <p:ph type="title"/>
+          </p:nvPr>
+        </p:nvSpPr>
+        <p:spPr/>
+        <p:txBody>
+          <a:bodyPr/>
+          <a:lstStyle/>
+          <a:p>
+            <a:r>
+              <a:rPr lang="en-US" dirty="0" err="1"/>
+              <a:t>Algorytm</a:t>
+            </a:r>
+            <a:r>
+              <a:rPr lang="en-US" dirty="0"/>
+              <a:t> </a:t>
+            </a:r>
+            <a:r>
+              <a:rPr lang="en-US" dirty="0" err="1"/>
+              <a:t>wstawień</a:t>
+            </a:r>
+            <a:endParaRPr lang="en-US" dirty="0"/>
+          </a:p>
+        </p:txBody>
+      </p:sp>
+      <p:sp>
+        <p:nvSpPr>
+          <p:cNvPr id="3" name="Symbol zastępczy zawartości 2">
+            <a:extLst>
+              <a:ext uri="{FF2B5EF4-FFF2-40B4-BE49-F238E27FC236}">
+                <a16:creationId xmlns="" xmlns:a16="http://schemas.microsoft.com/office/drawing/2014/main" id="{B030F021-3ACE-437B-8E1D-8BE6790830D0}"/>
+              </a:ext>
+            </a:extLst>
+          </p:cNvPr>
+          <p:cNvSpPr>
+            <a:spLocks noGrp="1"/>
+          </p:cNvSpPr>
+          <p:nvPr>
+            <p:ph idx="1"/>
+          </p:nvPr>
+        </p:nvSpPr>
+        <p:spPr>
+          <a:xfrm>
+            <a:off x="482598" y="1488613"/>
+            <a:ext cx="6807201" cy="4632787"/>
+          </a:xfrm>
+        </p:spPr>
+        <p:txBody>
+          <a:bodyPr>
+            <a:normAutofit/>
+          </a:bodyPr>
+          <a:lstStyle/>
+          <a:p>
+            <a:pPr marL="0" indent="0">
+              <a:buNone/>
+            </a:pPr>
+            <a:r>
+              <a:rPr lang="pl-PL" sz="2000" dirty="0"/>
+              <a:t>1. Wygenerowanie listy </a:t>
+            </a:r>
+            <a:r>
+              <a:rPr lang="pl-PL" sz="2000" dirty="0" smtClean="0"/>
+              <a:t>wszystkich zajęć, które powinny odbyć się w ciągu tygodnia posortowanej według długości ich trwania</a:t>
+            </a:r>
+            <a:endParaRPr lang="pl-PL" sz="2000" dirty="0"/>
+          </a:p>
+          <a:p>
+            <a:pPr marL="0" indent="0">
+              <a:buNone/>
+            </a:pPr>
+            <a:r>
+              <a:rPr lang="pl-PL" sz="2000" dirty="0"/>
+              <a:t>2. </a:t>
+            </a:r>
+            <a:r>
+              <a:rPr lang="pl-PL" sz="2000" dirty="0" smtClean="0"/>
+              <a:t>Pętla wyszukiwania rozwiązania częściowego:</a:t>
+            </a:r>
+          </a:p>
+          <a:p>
+            <a:r>
+              <a:rPr lang="pl-PL" sz="2000" dirty="0" smtClean="0"/>
+              <a:t>Próbne wstawianie zajęć w kolejności od najdłuższych</a:t>
+            </a:r>
+          </a:p>
+          <a:p>
+            <a:r>
+              <a:rPr lang="pl-PL" sz="2000" dirty="0" smtClean="0"/>
+              <a:t>Przypisanie wolnego prowadzącego</a:t>
+            </a:r>
+            <a:r>
+              <a:rPr lang="pl-PL" sz="2000" dirty="0"/>
+              <a:t>, który ma najkrótszą listę przedmiotów (lub zajęć), które może </a:t>
+            </a:r>
+            <a:r>
+              <a:rPr lang="pl-PL" sz="2000" dirty="0" smtClean="0"/>
+              <a:t>prowadzić</a:t>
+            </a:r>
+          </a:p>
+          <a:p>
+            <a:r>
+              <a:rPr lang="pl-PL" sz="2000" dirty="0" smtClean="0"/>
+              <a:t>Przypisanie wolnej sali </a:t>
+            </a:r>
+            <a:r>
+              <a:rPr lang="pl-PL" sz="2000" dirty="0"/>
+              <a:t>o najmniejszej </a:t>
+            </a:r>
+            <a:r>
+              <a:rPr lang="pl-PL" sz="2000" dirty="0" smtClean="0"/>
+              <a:t>pojemności, która spełnia wymagania przedmiotu</a:t>
+            </a:r>
+          </a:p>
+          <a:p>
+            <a:r>
+              <a:rPr lang="pl-PL" sz="2000" dirty="0" smtClean="0"/>
+              <a:t>Sprawdzenie funkcji celu</a:t>
+            </a:r>
+          </a:p>
+          <a:p>
+            <a:pPr marL="0" indent="0">
+              <a:buNone/>
+            </a:pPr>
+            <a:r>
+              <a:rPr lang="pl-PL" sz="2000" dirty="0" smtClean="0"/>
+              <a:t>Zwrócenie rozwiązania</a:t>
+            </a:r>
+            <a:endParaRPr lang="pl-PL" sz="2000" dirty="0"/>
+          </a:p>
+        </p:txBody>
+      </p:sp>
+    </p:spTree>
+    <p:extLst>
+      <p:ext uri="{BB962C8B-B14F-4D97-AF65-F5344CB8AC3E}">
+        <p14:creationId xmlns:p14="http://schemas.microsoft.com/office/powerpoint/2010/main" val="1522505631"/>
+      </p:ext>
+    </p:extLst>
+  </p:cSld>
+  <p:clrMapOvr>
+    <a:masterClrMapping/>
+  </p:clrMapOvr>
+</p:sld>
+</file>
+
+<file path=ppt/slides/slide5.xml><?xml version="1.0" encoding="utf-8"?>
+<p:sld xmlns:a="http://schemas.openxmlformats.org/drawingml/2006/main" xmlns:r="http://schemas.openxmlformats.org/officeDocument/2006/relationships" xmlns:p="http://schemas.openxmlformats.org/presentationml/2006/main">
+  <p:cSld>
+    <p:spTree>
+      <p:nvGrpSpPr>
+        <p:cNvPr id="1" name=""/>
+        <p:cNvGrpSpPr/>
+        <p:nvPr/>
+      </p:nvGrpSpPr>
+      <p:grpSpPr>
+        <a:xfrm>
+          <a:off x="0" y="0"/>
+          <a:ext cx="0" cy="0"/>
+          <a:chOff x="0" y="0"/>
+          <a:chExt cx="0" cy="0"/>
+        </a:xfrm>
+      </p:grpSpPr>
       <p:grpSp>
         <p:nvGrpSpPr>
           <p:cNvPr id="112" name="Grupa 111">
             <a:extLst>
               <a:ext uri="{FF2B5EF4-FFF2-40B4-BE49-F238E27FC236}">
-                <a16:creationId xmlns:a16="http://schemas.microsoft.com/office/drawing/2014/main" id="{44ED0E06-F591-49E1-BC8A-273A8B5498E9}"/>
+                <a16:creationId xmlns="" xmlns:a16="http://schemas.microsoft.com/office/drawing/2014/main" id="{44ED0E06-F591-49E1-BC8A-273A8B5498E9}"/>
               </a:ext>
             </a:extLst>
           </p:cNvPr>
@@ -7318,7 +7502,7 @@
             <p:cNvPr id="4" name="Prostokąt 3">
               <a:extLst>
                 <a:ext uri="{FF2B5EF4-FFF2-40B4-BE49-F238E27FC236}">
-                  <a16:creationId xmlns:a16="http://schemas.microsoft.com/office/drawing/2014/main" id="{17D6C11F-596E-49C5-8562-6070B6AE9D0F}"/>
+                  <a16:creationId xmlns="" xmlns:a16="http://schemas.microsoft.com/office/drawing/2014/main" id="{17D6C11F-596E-49C5-8562-6070B6AE9D0F}"/>
                 </a:ext>
               </a:extLst>
             </p:cNvPr>
@@ -7365,7 +7549,7 @@
             <p:cNvPr id="6" name="Łącznik prosty 5">
               <a:extLst>
                 <a:ext uri="{FF2B5EF4-FFF2-40B4-BE49-F238E27FC236}">
-                  <a16:creationId xmlns:a16="http://schemas.microsoft.com/office/drawing/2014/main" id="{4E874E00-B183-44C9-9C8F-B9163609EEB1}"/>
+                  <a16:creationId xmlns="" xmlns:a16="http://schemas.microsoft.com/office/drawing/2014/main" id="{4E874E00-B183-44C9-9C8F-B9163609EEB1}"/>
                 </a:ext>
               </a:extLst>
             </p:cNvPr>
@@ -7410,7 +7594,7 @@
             <p:cNvPr id="8" name="Łącznik prosty 7">
               <a:extLst>
                 <a:ext uri="{FF2B5EF4-FFF2-40B4-BE49-F238E27FC236}">
-                  <a16:creationId xmlns:a16="http://schemas.microsoft.com/office/drawing/2014/main" id="{E2D1A822-622B-427D-9953-D20E2EB932A5}"/>
+                  <a16:creationId xmlns="" xmlns:a16="http://schemas.microsoft.com/office/drawing/2014/main" id="{E2D1A822-622B-427D-9953-D20E2EB932A5}"/>
                 </a:ext>
               </a:extLst>
             </p:cNvPr>
@@ -7455,7 +7639,7 @@
             <p:cNvPr id="9" name="Łącznik prosty 8">
               <a:extLst>
                 <a:ext uri="{FF2B5EF4-FFF2-40B4-BE49-F238E27FC236}">
-                  <a16:creationId xmlns:a16="http://schemas.microsoft.com/office/drawing/2014/main" id="{0529BF12-C6F9-49FC-A73D-E1B8DBD46654}"/>
+                  <a16:creationId xmlns="" xmlns:a16="http://schemas.microsoft.com/office/drawing/2014/main" id="{0529BF12-C6F9-49FC-A73D-E1B8DBD46654}"/>
                 </a:ext>
               </a:extLst>
             </p:cNvPr>
@@ -7500,7 +7684,7 @@
             <p:cNvPr id="10" name="Łącznik prosty 9">
               <a:extLst>
                 <a:ext uri="{FF2B5EF4-FFF2-40B4-BE49-F238E27FC236}">
-                  <a16:creationId xmlns:a16="http://schemas.microsoft.com/office/drawing/2014/main" id="{9825A1F4-B277-45C3-BDEA-290A587AA77B}"/>
+                  <a16:creationId xmlns="" xmlns:a16="http://schemas.microsoft.com/office/drawing/2014/main" id="{9825A1F4-B277-45C3-BDEA-290A587AA77B}"/>
                 </a:ext>
               </a:extLst>
             </p:cNvPr>
@@ -7545,7 +7729,7 @@
             <p:cNvPr id="11" name="Łącznik prosty 10">
               <a:extLst>
                 <a:ext uri="{FF2B5EF4-FFF2-40B4-BE49-F238E27FC236}">
-                  <a16:creationId xmlns:a16="http://schemas.microsoft.com/office/drawing/2014/main" id="{D5457672-7B83-4733-BAE7-CDF93619EBEE}"/>
+                  <a16:creationId xmlns="" xmlns:a16="http://schemas.microsoft.com/office/drawing/2014/main" id="{D5457672-7B83-4733-BAE7-CDF93619EBEE}"/>
                 </a:ext>
               </a:extLst>
             </p:cNvPr>
@@ -7590,7 +7774,7 @@
             <p:cNvPr id="12" name="Łącznik prosty 11">
               <a:extLst>
                 <a:ext uri="{FF2B5EF4-FFF2-40B4-BE49-F238E27FC236}">
-                  <a16:creationId xmlns:a16="http://schemas.microsoft.com/office/drawing/2014/main" id="{24353BEB-DC22-4FD6-8941-8C066E6ADE66}"/>
+                  <a16:creationId xmlns="" xmlns:a16="http://schemas.microsoft.com/office/drawing/2014/main" id="{24353BEB-DC22-4FD6-8941-8C066E6ADE66}"/>
                 </a:ext>
               </a:extLst>
             </p:cNvPr>
@@ -7635,7 +7819,7 @@
             <p:cNvPr id="13" name="Łącznik prosty 12">
               <a:extLst>
                 <a:ext uri="{FF2B5EF4-FFF2-40B4-BE49-F238E27FC236}">
-                  <a16:creationId xmlns:a16="http://schemas.microsoft.com/office/drawing/2014/main" id="{32E9B1EB-2452-43BA-ABC6-2425F212AC33}"/>
+                  <a16:creationId xmlns="" xmlns:a16="http://schemas.microsoft.com/office/drawing/2014/main" id="{32E9B1EB-2452-43BA-ABC6-2425F212AC33}"/>
                 </a:ext>
               </a:extLst>
             </p:cNvPr>
@@ -7680,7 +7864,7 @@
             <p:cNvPr id="15" name="pole tekstowe 14">
               <a:extLst>
                 <a:ext uri="{FF2B5EF4-FFF2-40B4-BE49-F238E27FC236}">
-                  <a16:creationId xmlns:a16="http://schemas.microsoft.com/office/drawing/2014/main" id="{2A667F30-3804-46ED-A1DB-7C1B8660C629}"/>
+                  <a16:creationId xmlns="" xmlns:a16="http://schemas.microsoft.com/office/drawing/2014/main" id="{2A667F30-3804-46ED-A1DB-7C1B8660C629}"/>
                 </a:ext>
               </a:extLst>
             </p:cNvPr>
@@ -7719,7 +7903,7 @@
             <p:cNvPr id="16" name="pole tekstowe 15">
               <a:extLst>
                 <a:ext uri="{FF2B5EF4-FFF2-40B4-BE49-F238E27FC236}">
-                  <a16:creationId xmlns:a16="http://schemas.microsoft.com/office/drawing/2014/main" id="{74BE5E57-FD89-47E7-9F2D-8BBBA18A5F9F}"/>
+                  <a16:creationId xmlns="" xmlns:a16="http://schemas.microsoft.com/office/drawing/2014/main" id="{74BE5E57-FD89-47E7-9F2D-8BBBA18A5F9F}"/>
                 </a:ext>
               </a:extLst>
             </p:cNvPr>
@@ -7758,7 +7942,7 @@
             <p:cNvPr id="17" name="pole tekstowe 16">
               <a:extLst>
                 <a:ext uri="{FF2B5EF4-FFF2-40B4-BE49-F238E27FC236}">
-                  <a16:creationId xmlns:a16="http://schemas.microsoft.com/office/drawing/2014/main" id="{2E245860-63D8-4990-998C-BB541CEC8A8F}"/>
+                  <a16:creationId xmlns="" xmlns:a16="http://schemas.microsoft.com/office/drawing/2014/main" id="{2E245860-63D8-4990-998C-BB541CEC8A8F}"/>
                 </a:ext>
               </a:extLst>
             </p:cNvPr>
@@ -7797,7 +7981,7 @@
             <p:cNvPr id="18" name="pole tekstowe 17">
               <a:extLst>
                 <a:ext uri="{FF2B5EF4-FFF2-40B4-BE49-F238E27FC236}">
-                  <a16:creationId xmlns:a16="http://schemas.microsoft.com/office/drawing/2014/main" id="{F1D22516-C9F3-4BBF-A11B-59693D9665EE}"/>
+                  <a16:creationId xmlns="" xmlns:a16="http://schemas.microsoft.com/office/drawing/2014/main" id="{F1D22516-C9F3-4BBF-A11B-59693D9665EE}"/>
                 </a:ext>
               </a:extLst>
             </p:cNvPr>
@@ -7836,7 +8020,7 @@
             <p:cNvPr id="19" name="pole tekstowe 18">
               <a:extLst>
                 <a:ext uri="{FF2B5EF4-FFF2-40B4-BE49-F238E27FC236}">
-                  <a16:creationId xmlns:a16="http://schemas.microsoft.com/office/drawing/2014/main" id="{7C5B8B8A-78ED-439B-8ACE-0D9B8B60EF0C}"/>
+                  <a16:creationId xmlns="" xmlns:a16="http://schemas.microsoft.com/office/drawing/2014/main" id="{7C5B8B8A-78ED-439B-8ACE-0D9B8B60EF0C}"/>
                 </a:ext>
               </a:extLst>
             </p:cNvPr>
@@ -7875,7 +8059,7 @@
             <p:cNvPr id="20" name="pole tekstowe 19">
               <a:extLst>
                 <a:ext uri="{FF2B5EF4-FFF2-40B4-BE49-F238E27FC236}">
-                  <a16:creationId xmlns:a16="http://schemas.microsoft.com/office/drawing/2014/main" id="{85BCFF99-BDCA-42FF-AFE5-C168743B061D}"/>
+                  <a16:creationId xmlns="" xmlns:a16="http://schemas.microsoft.com/office/drawing/2014/main" id="{85BCFF99-BDCA-42FF-AFE5-C168743B061D}"/>
                 </a:ext>
               </a:extLst>
             </p:cNvPr>
@@ -7914,7 +8098,7 @@
             <p:cNvPr id="21" name="pole tekstowe 20">
               <a:extLst>
                 <a:ext uri="{FF2B5EF4-FFF2-40B4-BE49-F238E27FC236}">
-                  <a16:creationId xmlns:a16="http://schemas.microsoft.com/office/drawing/2014/main" id="{21424396-253D-48C4-A167-CB547C54ABCA}"/>
+                  <a16:creationId xmlns="" xmlns:a16="http://schemas.microsoft.com/office/drawing/2014/main" id="{21424396-253D-48C4-A167-CB547C54ABCA}"/>
                 </a:ext>
               </a:extLst>
             </p:cNvPr>
@@ -7953,7 +8137,7 @@
             <p:cNvPr id="22" name="pole tekstowe 21">
               <a:extLst>
                 <a:ext uri="{FF2B5EF4-FFF2-40B4-BE49-F238E27FC236}">
-                  <a16:creationId xmlns:a16="http://schemas.microsoft.com/office/drawing/2014/main" id="{39E9F82B-A5E1-4248-A8ED-A55D8C6D30A4}"/>
+                  <a16:creationId xmlns="" xmlns:a16="http://schemas.microsoft.com/office/drawing/2014/main" id="{39E9F82B-A5E1-4248-A8ED-A55D8C6D30A4}"/>
                 </a:ext>
               </a:extLst>
             </p:cNvPr>
@@ -7985,7 +8169,7 @@
             <p:cNvPr id="23" name="Owal 22">
               <a:extLst>
                 <a:ext uri="{FF2B5EF4-FFF2-40B4-BE49-F238E27FC236}">
-                  <a16:creationId xmlns:a16="http://schemas.microsoft.com/office/drawing/2014/main" id="{A331D7FA-84B5-450D-878C-46ED64E0F04D}"/>
+                  <a16:creationId xmlns="" xmlns:a16="http://schemas.microsoft.com/office/drawing/2014/main" id="{A331D7FA-84B5-450D-878C-46ED64E0F04D}"/>
                 </a:ext>
               </a:extLst>
             </p:cNvPr>
@@ -8031,7 +8215,7 @@
             <p:cNvPr id="25" name="Owal 24">
               <a:extLst>
                 <a:ext uri="{FF2B5EF4-FFF2-40B4-BE49-F238E27FC236}">
-                  <a16:creationId xmlns:a16="http://schemas.microsoft.com/office/drawing/2014/main" id="{86EA1E92-C4A5-4EF8-A840-1D4BF6D64A44}"/>
+                  <a16:creationId xmlns="" xmlns:a16="http://schemas.microsoft.com/office/drawing/2014/main" id="{86EA1E92-C4A5-4EF8-A840-1D4BF6D64A44}"/>
                 </a:ext>
               </a:extLst>
             </p:cNvPr>
@@ -8077,7 +8261,7 @@
             <p:cNvPr id="26" name="Owal 25">
               <a:extLst>
                 <a:ext uri="{FF2B5EF4-FFF2-40B4-BE49-F238E27FC236}">
-                  <a16:creationId xmlns:a16="http://schemas.microsoft.com/office/drawing/2014/main" id="{7A2191DE-D731-4A8B-942B-2144E317FE7B}"/>
+                  <a16:creationId xmlns="" xmlns:a16="http://schemas.microsoft.com/office/drawing/2014/main" id="{7A2191DE-D731-4A8B-942B-2144E317FE7B}"/>
                 </a:ext>
               </a:extLst>
             </p:cNvPr>
@@ -8123,7 +8307,7 @@
             <p:cNvPr id="27" name="pole tekstowe 26">
               <a:extLst>
                 <a:ext uri="{FF2B5EF4-FFF2-40B4-BE49-F238E27FC236}">
-                  <a16:creationId xmlns:a16="http://schemas.microsoft.com/office/drawing/2014/main" id="{7E786345-68F7-47D9-B3F5-730FEA9E3F68}"/>
+                  <a16:creationId xmlns="" xmlns:a16="http://schemas.microsoft.com/office/drawing/2014/main" id="{7E786345-68F7-47D9-B3F5-730FEA9E3F68}"/>
                 </a:ext>
               </a:extLst>
             </p:cNvPr>
@@ -8162,7 +8346,7 @@
             <p:cNvPr id="28" name="Łącznik prosty 27">
               <a:extLst>
                 <a:ext uri="{FF2B5EF4-FFF2-40B4-BE49-F238E27FC236}">
-                  <a16:creationId xmlns:a16="http://schemas.microsoft.com/office/drawing/2014/main" id="{FC7DE8DF-430F-4355-A7DE-707D12CDD322}"/>
+                  <a16:creationId xmlns="" xmlns:a16="http://schemas.microsoft.com/office/drawing/2014/main" id="{FC7DE8DF-430F-4355-A7DE-707D12CDD322}"/>
                 </a:ext>
               </a:extLst>
             </p:cNvPr>
@@ -8208,7 +8392,7 @@
           <p:cNvPr id="30" name="Prostokąt 29">
             <a:extLst>
               <a:ext uri="{FF2B5EF4-FFF2-40B4-BE49-F238E27FC236}">
-                <a16:creationId xmlns:a16="http://schemas.microsoft.com/office/drawing/2014/main" id="{00FCA0DF-8568-4F45-8089-F3F7C73BF0C2}"/>
+                <a16:creationId xmlns="" xmlns:a16="http://schemas.microsoft.com/office/drawing/2014/main" id="{00FCA0DF-8568-4F45-8089-F3F7C73BF0C2}"/>
               </a:ext>
             </a:extLst>
           </p:cNvPr>
@@ -8256,7 +8440,7 @@
           <p:cNvPr id="31" name="Łącznik prosty 30">
             <a:extLst>
               <a:ext uri="{FF2B5EF4-FFF2-40B4-BE49-F238E27FC236}">
-                <a16:creationId xmlns:a16="http://schemas.microsoft.com/office/drawing/2014/main" id="{C8CD4BFD-0179-43DA-8EDB-A2B0B2E7843B}"/>
+                <a16:creationId xmlns="" xmlns:a16="http://schemas.microsoft.com/office/drawing/2014/main" id="{C8CD4BFD-0179-43DA-8EDB-A2B0B2E7843B}"/>
               </a:ext>
             </a:extLst>
           </p:cNvPr>
@@ -8301,7 +8485,7 @@
           <p:cNvPr id="33" name="Łącznik prosty 32">
             <a:extLst>
               <a:ext uri="{FF2B5EF4-FFF2-40B4-BE49-F238E27FC236}">
-                <a16:creationId xmlns:a16="http://schemas.microsoft.com/office/drawing/2014/main" id="{1FF5B551-3ABF-464A-98E8-11CD1D12D2AF}"/>
+                <a16:creationId xmlns="" xmlns:a16="http://schemas.microsoft.com/office/drawing/2014/main" id="{1FF5B551-3ABF-464A-98E8-11CD1D12D2AF}"/>
               </a:ext>
             </a:extLst>
           </p:cNvPr>
@@ -8346,7 +8530,7 @@
           <p:cNvPr id="34" name="Łącznik prosty 33">
             <a:extLst>
               <a:ext uri="{FF2B5EF4-FFF2-40B4-BE49-F238E27FC236}">
-                <a16:creationId xmlns:a16="http://schemas.microsoft.com/office/drawing/2014/main" id="{D2471640-3360-49F3-A126-5C262F37C892}"/>
+                <a16:creationId xmlns="" xmlns:a16="http://schemas.microsoft.com/office/drawing/2014/main" id="{D2471640-3360-49F3-A126-5C262F37C892}"/>
               </a:ext>
             </a:extLst>
           </p:cNvPr>
@@ -8391,7 +8575,7 @@
           <p:cNvPr id="39" name="Łącznik prosty 38">
             <a:extLst>
               <a:ext uri="{FF2B5EF4-FFF2-40B4-BE49-F238E27FC236}">
-                <a16:creationId xmlns:a16="http://schemas.microsoft.com/office/drawing/2014/main" id="{9ED1EF72-5694-4BE9-A872-19A1D50597BB}"/>
+                <a16:creationId xmlns="" xmlns:a16="http://schemas.microsoft.com/office/drawing/2014/main" id="{9ED1EF72-5694-4BE9-A872-19A1D50597BB}"/>
               </a:ext>
             </a:extLst>
           </p:cNvPr>
@@ -8436,7 +8620,7 @@
           <p:cNvPr id="43" name="Łącznik prosty 42">
             <a:extLst>
               <a:ext uri="{FF2B5EF4-FFF2-40B4-BE49-F238E27FC236}">
-                <a16:creationId xmlns:a16="http://schemas.microsoft.com/office/drawing/2014/main" id="{79AC106C-C83E-4594-A6A1-3C879E81C046}"/>
+                <a16:creationId xmlns="" xmlns:a16="http://schemas.microsoft.com/office/drawing/2014/main" id="{79AC106C-C83E-4594-A6A1-3C879E81C046}"/>
               </a:ext>
             </a:extLst>
           </p:cNvPr>
@@ -8481,7 +8665,7 @@
           <p:cNvPr id="44" name="Łącznik prosty 43">
             <a:extLst>
               <a:ext uri="{FF2B5EF4-FFF2-40B4-BE49-F238E27FC236}">
-                <a16:creationId xmlns:a16="http://schemas.microsoft.com/office/drawing/2014/main" id="{A4C02945-6F8D-4D01-A456-8DFF426E70AA}"/>
+                <a16:creationId xmlns="" xmlns:a16="http://schemas.microsoft.com/office/drawing/2014/main" id="{A4C02945-6F8D-4D01-A456-8DFF426E70AA}"/>
               </a:ext>
             </a:extLst>
           </p:cNvPr>
@@ -8526,7 +8710,7 @@
           <p:cNvPr id="45" name="Łącznik prosty 44">
             <a:extLst>
               <a:ext uri="{FF2B5EF4-FFF2-40B4-BE49-F238E27FC236}">
-                <a16:creationId xmlns:a16="http://schemas.microsoft.com/office/drawing/2014/main" id="{68045725-96DC-4A43-A4C1-7153C086ED74}"/>
+                <a16:creationId xmlns="" xmlns:a16="http://schemas.microsoft.com/office/drawing/2014/main" id="{68045725-96DC-4A43-A4C1-7153C086ED74}"/>
               </a:ext>
             </a:extLst>
           </p:cNvPr>
@@ -8571,7 +8755,7 @@
           <p:cNvPr id="48" name="pole tekstowe 47">
             <a:extLst>
               <a:ext uri="{FF2B5EF4-FFF2-40B4-BE49-F238E27FC236}">
-                <a16:creationId xmlns:a16="http://schemas.microsoft.com/office/drawing/2014/main" id="{9752BEB3-C8E4-4350-9651-D1964AFC952B}"/>
+                <a16:creationId xmlns="" xmlns:a16="http://schemas.microsoft.com/office/drawing/2014/main" id="{9752BEB3-C8E4-4350-9651-D1964AFC952B}"/>
               </a:ext>
             </a:extLst>
           </p:cNvPr>
@@ -8606,7 +8790,7 @@
           <p:cNvPr id="49" name="pole tekstowe 48">
             <a:extLst>
               <a:ext uri="{FF2B5EF4-FFF2-40B4-BE49-F238E27FC236}">
-                <a16:creationId xmlns:a16="http://schemas.microsoft.com/office/drawing/2014/main" id="{DFDFCE64-E48C-4C17-99CF-A2473CA819E9}"/>
+                <a16:creationId xmlns="" xmlns:a16="http://schemas.microsoft.com/office/drawing/2014/main" id="{DFDFCE64-E48C-4C17-99CF-A2473CA819E9}"/>
               </a:ext>
             </a:extLst>
           </p:cNvPr>
@@ -8641,7 +8825,7 @@
           <p:cNvPr id="50" name="pole tekstowe 49">
             <a:extLst>
               <a:ext uri="{FF2B5EF4-FFF2-40B4-BE49-F238E27FC236}">
-                <a16:creationId xmlns:a16="http://schemas.microsoft.com/office/drawing/2014/main" id="{FE820059-BEE8-4ADA-9423-E2450C2743C8}"/>
+                <a16:creationId xmlns="" xmlns:a16="http://schemas.microsoft.com/office/drawing/2014/main" id="{FE820059-BEE8-4ADA-9423-E2450C2743C8}"/>
               </a:ext>
             </a:extLst>
           </p:cNvPr>
@@ -8676,7 +8860,7 @@
           <p:cNvPr id="51" name="pole tekstowe 50">
             <a:extLst>
               <a:ext uri="{FF2B5EF4-FFF2-40B4-BE49-F238E27FC236}">
-                <a16:creationId xmlns:a16="http://schemas.microsoft.com/office/drawing/2014/main" id="{A1723BDC-92C5-4D97-B912-D7BEFAAED311}"/>
+                <a16:creationId xmlns="" xmlns:a16="http://schemas.microsoft.com/office/drawing/2014/main" id="{A1723BDC-92C5-4D97-B912-D7BEFAAED311}"/>
               </a:ext>
             </a:extLst>
           </p:cNvPr>
@@ -8711,7 +8895,7 @@
           <p:cNvPr id="52" name="pole tekstowe 51">
             <a:extLst>
               <a:ext uri="{FF2B5EF4-FFF2-40B4-BE49-F238E27FC236}">
-                <a16:creationId xmlns:a16="http://schemas.microsoft.com/office/drawing/2014/main" id="{6DEA8C68-D0F7-43EC-94F8-A6A451C4287A}"/>
+                <a16:creationId xmlns="" xmlns:a16="http://schemas.microsoft.com/office/drawing/2014/main" id="{6DEA8C68-D0F7-43EC-94F8-A6A451C4287A}"/>
               </a:ext>
             </a:extLst>
           </p:cNvPr>
@@ -8746,7 +8930,7 @@
           <p:cNvPr id="58" name="Owal 57">
             <a:extLst>
               <a:ext uri="{FF2B5EF4-FFF2-40B4-BE49-F238E27FC236}">
-                <a16:creationId xmlns:a16="http://schemas.microsoft.com/office/drawing/2014/main" id="{8767C6D0-0742-41A3-8F10-83B28CE5C8F2}"/>
+                <a16:creationId xmlns="" xmlns:a16="http://schemas.microsoft.com/office/drawing/2014/main" id="{8767C6D0-0742-41A3-8F10-83B28CE5C8F2}"/>
               </a:ext>
             </a:extLst>
           </p:cNvPr>
@@ -8801,7 +8985,7 @@
           <p:cNvPr id="65" name="Łącznik prosty ze strzałką 64">
             <a:extLst>
               <a:ext uri="{FF2B5EF4-FFF2-40B4-BE49-F238E27FC236}">
-                <a16:creationId xmlns:a16="http://schemas.microsoft.com/office/drawing/2014/main" id="{EF02A075-A3C2-4272-8304-527281F59705}"/>
+                <a16:creationId xmlns="" xmlns:a16="http://schemas.microsoft.com/office/drawing/2014/main" id="{EF02A075-A3C2-4272-8304-527281F59705}"/>
               </a:ext>
             </a:extLst>
           </p:cNvPr>
@@ -8842,7 +9026,7 @@
           <p:cNvPr id="68" name="Owal 67">
             <a:extLst>
               <a:ext uri="{FF2B5EF4-FFF2-40B4-BE49-F238E27FC236}">
-                <a16:creationId xmlns:a16="http://schemas.microsoft.com/office/drawing/2014/main" id="{C9A5AFE6-9732-40A9-BDFE-674F43BFE4B5}"/>
+                <a16:creationId xmlns="" xmlns:a16="http://schemas.microsoft.com/office/drawing/2014/main" id="{C9A5AFE6-9732-40A9-BDFE-674F43BFE4B5}"/>
               </a:ext>
             </a:extLst>
           </p:cNvPr>
@@ -8895,7 +9079,7 @@
           <p:cNvPr id="73" name="Owal 72">
             <a:extLst>
               <a:ext uri="{FF2B5EF4-FFF2-40B4-BE49-F238E27FC236}">
-                <a16:creationId xmlns:a16="http://schemas.microsoft.com/office/drawing/2014/main" id="{D6814B7C-70D0-435D-8699-33E54E4D3A34}"/>
+                <a16:creationId xmlns="" xmlns:a16="http://schemas.microsoft.com/office/drawing/2014/main" id="{D6814B7C-70D0-435D-8699-33E54E4D3A34}"/>
               </a:ext>
             </a:extLst>
           </p:cNvPr>
@@ -8954,7 +9138,7 @@
           <p:cNvPr id="76" name="Owal 75">
             <a:extLst>
               <a:ext uri="{FF2B5EF4-FFF2-40B4-BE49-F238E27FC236}">
-                <a16:creationId xmlns:a16="http://schemas.microsoft.com/office/drawing/2014/main" id="{836687E8-9912-486D-971D-9AC713DAAC85}"/>
+                <a16:creationId xmlns="" xmlns:a16="http://schemas.microsoft.com/office/drawing/2014/main" id="{836687E8-9912-486D-971D-9AC713DAAC85}"/>
               </a:ext>
             </a:extLst>
           </p:cNvPr>
@@ -9013,7 +9197,7 @@
           <p:cNvPr id="77" name="Owal 76">
             <a:extLst>
               <a:ext uri="{FF2B5EF4-FFF2-40B4-BE49-F238E27FC236}">
-                <a16:creationId xmlns:a16="http://schemas.microsoft.com/office/drawing/2014/main" id="{3693B443-149D-46DB-B4A3-F3654F48CA70}"/>
+                <a16:creationId xmlns="" xmlns:a16="http://schemas.microsoft.com/office/drawing/2014/main" id="{3693B443-149D-46DB-B4A3-F3654F48CA70}"/>
               </a:ext>
             </a:extLst>
           </p:cNvPr>
@@ -9071,7 +9255,7 @@
           <p:cNvPr id="78" name="Owal 77">
             <a:extLst>
               <a:ext uri="{FF2B5EF4-FFF2-40B4-BE49-F238E27FC236}">
-                <a16:creationId xmlns:a16="http://schemas.microsoft.com/office/drawing/2014/main" id="{7BEA02F2-132A-4027-827C-FBE6AD6D8A1A}"/>
+                <a16:creationId xmlns="" xmlns:a16="http://schemas.microsoft.com/office/drawing/2014/main" id="{7BEA02F2-132A-4027-827C-FBE6AD6D8A1A}"/>
               </a:ext>
             </a:extLst>
           </p:cNvPr>
@@ -9130,7 +9314,7 @@
           <p:cNvPr id="79" name="Owal 78">
             <a:extLst>
               <a:ext uri="{FF2B5EF4-FFF2-40B4-BE49-F238E27FC236}">
-                <a16:creationId xmlns:a16="http://schemas.microsoft.com/office/drawing/2014/main" id="{0D3E0F29-A97F-4917-ADF4-70EB1466D11A}"/>
+                <a16:creationId xmlns="" xmlns:a16="http://schemas.microsoft.com/office/drawing/2014/main" id="{0D3E0F29-A97F-4917-ADF4-70EB1466D11A}"/>
               </a:ext>
             </a:extLst>
           </p:cNvPr>
@@ -9189,7 +9373,7 @@
           <p:cNvPr id="80" name="Owal 79">
             <a:extLst>
               <a:ext uri="{FF2B5EF4-FFF2-40B4-BE49-F238E27FC236}">
-                <a16:creationId xmlns:a16="http://schemas.microsoft.com/office/drawing/2014/main" id="{AE7A25AE-AFE4-4BBF-9201-2272525F21CC}"/>
+                <a16:creationId xmlns="" xmlns:a16="http://schemas.microsoft.com/office/drawing/2014/main" id="{AE7A25AE-AFE4-4BBF-9201-2272525F21CC}"/>
               </a:ext>
             </a:extLst>
           </p:cNvPr>
@@ -9248,7 +9432,7 @@
           <p:cNvPr id="81" name="pole tekstowe 80">
             <a:extLst>
               <a:ext uri="{FF2B5EF4-FFF2-40B4-BE49-F238E27FC236}">
-                <a16:creationId xmlns:a16="http://schemas.microsoft.com/office/drawing/2014/main" id="{70D29D78-C064-4AC3-846C-02AF63D706B7}"/>
+                <a16:creationId xmlns="" xmlns:a16="http://schemas.microsoft.com/office/drawing/2014/main" id="{70D29D78-C064-4AC3-846C-02AF63D706B7}"/>
               </a:ext>
             </a:extLst>
           </p:cNvPr>
@@ -9432,7 +9616,7 @@
           <p:cNvPr id="85" name="Łącznik prosty 84">
             <a:extLst>
               <a:ext uri="{FF2B5EF4-FFF2-40B4-BE49-F238E27FC236}">
-                <a16:creationId xmlns:a16="http://schemas.microsoft.com/office/drawing/2014/main" id="{361CBA8D-6A2F-4853-8998-27F83A1D8292}"/>
+                <a16:creationId xmlns="" xmlns:a16="http://schemas.microsoft.com/office/drawing/2014/main" id="{361CBA8D-6A2F-4853-8998-27F83A1D8292}"/>
               </a:ext>
             </a:extLst>
           </p:cNvPr>
@@ -9475,7 +9659,7 @@
           <p:cNvPr id="87" name="Łącznik prosty 86">
             <a:extLst>
               <a:ext uri="{FF2B5EF4-FFF2-40B4-BE49-F238E27FC236}">
-                <a16:creationId xmlns:a16="http://schemas.microsoft.com/office/drawing/2014/main" id="{F42D2AED-62C8-4941-A298-F98CA357D506}"/>
+                <a16:creationId xmlns="" xmlns:a16="http://schemas.microsoft.com/office/drawing/2014/main" id="{F42D2AED-62C8-4941-A298-F98CA357D506}"/>
               </a:ext>
             </a:extLst>
           </p:cNvPr>
@@ -9518,7 +9702,7 @@
           <p:cNvPr id="88" name="Łącznik prosty 87">
             <a:extLst>
               <a:ext uri="{FF2B5EF4-FFF2-40B4-BE49-F238E27FC236}">
-                <a16:creationId xmlns:a16="http://schemas.microsoft.com/office/drawing/2014/main" id="{CBDF3D7E-BC52-44B0-BDC7-3E8C3D99DD00}"/>
+                <a16:creationId xmlns="" xmlns:a16="http://schemas.microsoft.com/office/drawing/2014/main" id="{CBDF3D7E-BC52-44B0-BDC7-3E8C3D99DD00}"/>
               </a:ext>
             </a:extLst>
           </p:cNvPr>
@@ -9561,7 +9745,7 @@
           <p:cNvPr id="89" name="Łącznik prosty 88">
             <a:extLst>
               <a:ext uri="{FF2B5EF4-FFF2-40B4-BE49-F238E27FC236}">
-                <a16:creationId xmlns:a16="http://schemas.microsoft.com/office/drawing/2014/main" id="{69C1248C-3FEA-41C9-89B9-4356F0F211EB}"/>
+                <a16:creationId xmlns="" xmlns:a16="http://schemas.microsoft.com/office/drawing/2014/main" id="{69C1248C-3FEA-41C9-89B9-4356F0F211EB}"/>
               </a:ext>
             </a:extLst>
           </p:cNvPr>
@@ -9604,7 +9788,7 @@
           <p:cNvPr id="90" name="Łącznik prosty 89">
             <a:extLst>
               <a:ext uri="{FF2B5EF4-FFF2-40B4-BE49-F238E27FC236}">
-                <a16:creationId xmlns:a16="http://schemas.microsoft.com/office/drawing/2014/main" id="{ECE061E6-EC10-422A-968B-13C80106C194}"/>
+                <a16:creationId xmlns="" xmlns:a16="http://schemas.microsoft.com/office/drawing/2014/main" id="{ECE061E6-EC10-422A-968B-13C80106C194}"/>
               </a:ext>
             </a:extLst>
           </p:cNvPr>
@@ -9647,7 +9831,7 @@
           <p:cNvPr id="91" name="Łącznik prosty 90">
             <a:extLst>
               <a:ext uri="{FF2B5EF4-FFF2-40B4-BE49-F238E27FC236}">
-                <a16:creationId xmlns:a16="http://schemas.microsoft.com/office/drawing/2014/main" id="{B6814480-EA3C-4188-B529-39D385FFB6DB}"/>
+                <a16:creationId xmlns="" xmlns:a16="http://schemas.microsoft.com/office/drawing/2014/main" id="{B6814480-EA3C-4188-B529-39D385FFB6DB}"/>
               </a:ext>
             </a:extLst>
           </p:cNvPr>
@@ -9690,7 +9874,7 @@
           <p:cNvPr id="92" name="Łącznik prosty 91">
             <a:extLst>
               <a:ext uri="{FF2B5EF4-FFF2-40B4-BE49-F238E27FC236}">
-                <a16:creationId xmlns:a16="http://schemas.microsoft.com/office/drawing/2014/main" id="{7B588953-EBE4-4805-8C5F-EA91A4584745}"/>
+                <a16:creationId xmlns="" xmlns:a16="http://schemas.microsoft.com/office/drawing/2014/main" id="{7B588953-EBE4-4805-8C5F-EA91A4584745}"/>
               </a:ext>
             </a:extLst>
           </p:cNvPr>
@@ -9733,7 +9917,7 @@
           <p:cNvPr id="97" name="Łącznik prosty 96">
             <a:extLst>
               <a:ext uri="{FF2B5EF4-FFF2-40B4-BE49-F238E27FC236}">
-                <a16:creationId xmlns:a16="http://schemas.microsoft.com/office/drawing/2014/main" id="{7DB730F9-F687-40CD-9684-6322E90F7A5C}"/>
+                <a16:creationId xmlns="" xmlns:a16="http://schemas.microsoft.com/office/drawing/2014/main" id="{7DB730F9-F687-40CD-9684-6322E90F7A5C}"/>
               </a:ext>
             </a:extLst>
           </p:cNvPr>
@@ -9770,7 +9954,7 @@
           <p:cNvPr id="98" name="Łącznik prosty 97">
             <a:extLst>
               <a:ext uri="{FF2B5EF4-FFF2-40B4-BE49-F238E27FC236}">
-                <a16:creationId xmlns:a16="http://schemas.microsoft.com/office/drawing/2014/main" id="{5217C58E-04FC-4423-8141-16DAFDF67BB4}"/>
+                <a16:creationId xmlns="" xmlns:a16="http://schemas.microsoft.com/office/drawing/2014/main" id="{5217C58E-04FC-4423-8141-16DAFDF67BB4}"/>
               </a:ext>
             </a:extLst>
           </p:cNvPr>
@@ -9809,7 +9993,7 @@
           <p:cNvPr id="102" name="Łącznik prosty ze strzałką 101">
             <a:extLst>
               <a:ext uri="{FF2B5EF4-FFF2-40B4-BE49-F238E27FC236}">
-                <a16:creationId xmlns:a16="http://schemas.microsoft.com/office/drawing/2014/main" id="{5B49896A-F8B2-4934-9AEE-2BDE6B1B7C2D}"/>
+                <a16:creationId xmlns="" xmlns:a16="http://schemas.microsoft.com/office/drawing/2014/main" id="{5B49896A-F8B2-4934-9AEE-2BDE6B1B7C2D}"/>
               </a:ext>
             </a:extLst>
           </p:cNvPr>
@@ -9848,7 +10032,7 @@
           <p:cNvPr id="103" name="pole tekstowe 102">
             <a:extLst>
               <a:ext uri="{FF2B5EF4-FFF2-40B4-BE49-F238E27FC236}">
-                <a16:creationId xmlns:a16="http://schemas.microsoft.com/office/drawing/2014/main" id="{26D4BD33-8D27-4210-A190-F0E40B3E69C4}"/>
+                <a16:creationId xmlns="" xmlns:a16="http://schemas.microsoft.com/office/drawing/2014/main" id="{26D4BD33-8D27-4210-A190-F0E40B3E69C4}"/>
               </a:ext>
             </a:extLst>
           </p:cNvPr>
@@ -10675,195 +10859,6 @@
 </p:sld>
 </file>
 
-<file path=ppt/slides/slide5.xml><?xml version="1.0" encoding="utf-8"?>
-<p:sld xmlns:a="http://schemas.openxmlformats.org/drawingml/2006/main" xmlns:r="http://schemas.openxmlformats.org/officeDocument/2006/relationships" xmlns:p="http://schemas.openxmlformats.org/presentationml/2006/main">
-  <p:cSld>
-    <p:spTree>
-      <p:nvGrpSpPr>
-        <p:cNvPr id="1" name=""/>
-        <p:cNvGrpSpPr/>
-        <p:nvPr/>
-      </p:nvGrpSpPr>
-      <p:grpSpPr>
-        <a:xfrm>
-          <a:off x="0" y="0"/>
-          <a:ext cx="0" cy="0"/>
-          <a:chOff x="0" y="0"/>
-          <a:chExt cx="0" cy="0"/>
-        </a:xfrm>
-      </p:grpSpPr>
-      <p:sp>
-        <p:nvSpPr>
-          <p:cNvPr id="2" name="Tytuł 1">
-            <a:extLst>
-              <a:ext uri="{FF2B5EF4-FFF2-40B4-BE49-F238E27FC236}">
-                <a16:creationId xmlns:a16="http://schemas.microsoft.com/office/drawing/2014/main" id="{6EA9C071-4ED2-4E9B-9673-BBFB52ED49A0}"/>
-              </a:ext>
-            </a:extLst>
-          </p:cNvPr>
-          <p:cNvSpPr>
-            <a:spLocks noGrp="1"/>
-          </p:cNvSpPr>
-          <p:nvPr>
-            <p:ph type="title"/>
-          </p:nvPr>
-        </p:nvSpPr>
-        <p:spPr/>
-        <p:txBody>
-          <a:bodyPr/>
-          <a:lstStyle/>
-          <a:p>
-            <a:r>
-              <a:rPr lang="en-US" dirty="0" err="1"/>
-              <a:t>Bibliografia</a:t>
-            </a:r>
-            <a:endParaRPr lang="en-US" dirty="0"/>
-          </a:p>
-        </p:txBody>
-      </p:sp>
-      <p:sp>
-        <p:nvSpPr>
-          <p:cNvPr id="3" name="Symbol zastępczy zawartości 2">
-            <a:extLst>
-              <a:ext uri="{FF2B5EF4-FFF2-40B4-BE49-F238E27FC236}">
-                <a16:creationId xmlns:a16="http://schemas.microsoft.com/office/drawing/2014/main" id="{626297C1-E4F6-4206-9D17-2167EEDA2DD3}"/>
-              </a:ext>
-            </a:extLst>
-          </p:cNvPr>
-          <p:cNvSpPr>
-            <a:spLocks noGrp="1"/>
-          </p:cNvSpPr>
-          <p:nvPr>
-            <p:ph idx="1"/>
-          </p:nvPr>
-        </p:nvSpPr>
-        <p:spPr/>
-        <p:txBody>
-          <a:bodyPr/>
-          <a:lstStyle/>
-          <a:p>
-            <a:r>
-              <a:rPr lang="en-US" dirty="0">
-                <a:latin typeface="Times New Roman" panose="02020603050405020304" pitchFamily="18" charset="0"/>
-                <a:cs typeface="Times New Roman" panose="02020603050405020304" pitchFamily="18" charset="0"/>
-              </a:rPr>
-              <a:t>[1] </a:t>
-            </a:r>
-            <a:r>
-              <a:rPr lang="pl-PL" dirty="0">
-                <a:effectLst/>
-                <a:latin typeface="Times New Roman" panose="02020603050405020304" pitchFamily="18" charset="0"/>
-                <a:cs typeface="Times New Roman" panose="02020603050405020304" pitchFamily="18" charset="0"/>
-              </a:rPr>
-              <a:t>ALGORYTMY WSTAWIEŃ DLA ZAGADNIENIA HARMONOGRAMOWANIA PROJEKTU ZE</a:t>
-            </a:r>
-            <a:r>
-              <a:rPr lang="en-US" dirty="0">
-                <a:effectLst/>
-                <a:latin typeface="Times New Roman" panose="02020603050405020304" pitchFamily="18" charset="0"/>
-                <a:cs typeface="Times New Roman" panose="02020603050405020304" pitchFamily="18" charset="0"/>
-              </a:rPr>
-              <a:t> </a:t>
-            </a:r>
-            <a:r>
-              <a:rPr lang="pl-PL" dirty="0">
-                <a:effectLst/>
-                <a:latin typeface="Times New Roman" panose="02020603050405020304" pitchFamily="18" charset="0"/>
-                <a:cs typeface="Times New Roman" panose="02020603050405020304" pitchFamily="18" charset="0"/>
-              </a:rPr>
-              <a:t>ZDEFINIOWANYMI KAMIENIAMI MILOWYMI</a:t>
-            </a:r>
-            <a:br>
-              <a:rPr lang="pl-PL" dirty="0">
-                <a:latin typeface="Times New Roman" panose="02020603050405020304" pitchFamily="18" charset="0"/>
-                <a:cs typeface="Times New Roman" panose="02020603050405020304" pitchFamily="18" charset="0"/>
-              </a:rPr>
-            </a:br>
-            <a:r>
-              <a:rPr lang="pl-PL" dirty="0">
-                <a:effectLst/>
-                <a:latin typeface="Times New Roman" panose="02020603050405020304" pitchFamily="18" charset="0"/>
-                <a:cs typeface="Times New Roman" panose="02020603050405020304" pitchFamily="18" charset="0"/>
-              </a:rPr>
-              <a:t>Marcin KLIMEK, Piotr ŁEBKOWSKI</a:t>
-            </a:r>
-            <a:endParaRPr lang="en-US" dirty="0">
-              <a:effectLst/>
-              <a:latin typeface="Times New Roman" panose="02020603050405020304" pitchFamily="18" charset="0"/>
-              <a:cs typeface="Times New Roman" panose="02020603050405020304" pitchFamily="18" charset="0"/>
-            </a:endParaRPr>
-          </a:p>
-          <a:p>
-            <a:r>
-              <a:rPr lang="en-US" dirty="0">
-                <a:latin typeface="Times New Roman" panose="02020603050405020304" pitchFamily="18" charset="0"/>
-              </a:rPr>
-              <a:t>[2] </a:t>
-            </a:r>
-            <a:r>
-              <a:rPr lang="en-US" dirty="0" err="1">
-                <a:latin typeface="Times New Roman" panose="02020603050405020304" pitchFamily="18" charset="0"/>
-              </a:rPr>
-              <a:t>Skrypt</a:t>
-            </a:r>
-            <a:r>
-              <a:rPr lang="en-US" dirty="0">
-                <a:latin typeface="Times New Roman" panose="02020603050405020304" pitchFamily="18" charset="0"/>
-              </a:rPr>
-              <a:t> </a:t>
-            </a:r>
-            <a:r>
-              <a:rPr lang="en-US" dirty="0" err="1">
-                <a:latin typeface="Times New Roman" panose="02020603050405020304" pitchFamily="18" charset="0"/>
-              </a:rPr>
-              <a:t>Badania</a:t>
-            </a:r>
-            <a:r>
-              <a:rPr lang="en-US" dirty="0">
-                <a:latin typeface="Times New Roman" panose="02020603050405020304" pitchFamily="18" charset="0"/>
-              </a:rPr>
-              <a:t> </a:t>
-            </a:r>
-            <a:r>
-              <a:rPr lang="en-US" dirty="0" err="1">
-                <a:latin typeface="Times New Roman" panose="02020603050405020304" pitchFamily="18" charset="0"/>
-              </a:rPr>
-              <a:t>Operacyjne</a:t>
-            </a:r>
-            <a:r>
-              <a:rPr lang="en-US" dirty="0">
-                <a:latin typeface="Times New Roman" panose="02020603050405020304" pitchFamily="18" charset="0"/>
-              </a:rPr>
-              <a:t> dr. </a:t>
-            </a:r>
-            <a:r>
-              <a:rPr lang="en-US" dirty="0" err="1">
-                <a:latin typeface="Times New Roman" panose="02020603050405020304" pitchFamily="18" charset="0"/>
-              </a:rPr>
-              <a:t>Kucharska</a:t>
-            </a:r>
-            <a:endParaRPr lang="en-US" dirty="0">
-              <a:latin typeface="Times New Roman" panose="02020603050405020304" pitchFamily="18" charset="0"/>
-            </a:endParaRPr>
-          </a:p>
-          <a:p>
-            <a:endParaRPr lang="en-US" dirty="0"/>
-          </a:p>
-        </p:txBody>
-      </p:sp>
-    </p:spTree>
-    <p:extLst>
-      <p:ext uri="{BB962C8B-B14F-4D97-AF65-F5344CB8AC3E}">
-        <p14:creationId xmlns:p14="http://schemas.microsoft.com/office/powerpoint/2010/main" val="2019628782"/>
-      </p:ext>
-    </p:extLst>
-  </p:cSld>
-  <p:clrMapOvr>
-    <a:masterClrMapping/>
-  </p:clrMapOvr>
-</p:sld>
-</file>
-
 <file path=ppt/slides/slide6.xml><?xml version="1.0" encoding="utf-8"?>
 <p:sld xmlns:a="http://schemas.openxmlformats.org/drawingml/2006/main" xmlns:r="http://schemas.openxmlformats.org/officeDocument/2006/relationships" xmlns:p="http://schemas.openxmlformats.org/presentationml/2006/main">
   <p:cSld>
@@ -10886,7 +10881,266 @@
           <p:cNvPr id="2" name="Tytuł 1">
             <a:extLst>
               <a:ext uri="{FF2B5EF4-FFF2-40B4-BE49-F238E27FC236}">
-                <a16:creationId xmlns:a16="http://schemas.microsoft.com/office/drawing/2014/main" id="{EB985227-FA58-4362-BD16-A6F08589CE4F}"/>
+                <a16:creationId xmlns="" xmlns:a16="http://schemas.microsoft.com/office/drawing/2014/main" id="{6EA9C071-4ED2-4E9B-9673-BBFB52ED49A0}"/>
+              </a:ext>
+            </a:extLst>
+          </p:cNvPr>
+          <p:cNvSpPr>
+            <a:spLocks noGrp="1"/>
+          </p:cNvSpPr>
+          <p:nvPr>
+            <p:ph type="title"/>
+          </p:nvPr>
+        </p:nvSpPr>
+        <p:spPr/>
+        <p:txBody>
+          <a:bodyPr/>
+          <a:lstStyle/>
+          <a:p>
+            <a:r>
+              <a:rPr lang="en-US" dirty="0" err="1"/>
+              <a:t>Bibliografia</a:t>
+            </a:r>
+            <a:endParaRPr lang="en-US" dirty="0"/>
+          </a:p>
+        </p:txBody>
+      </p:sp>
+      <p:sp>
+        <p:nvSpPr>
+          <p:cNvPr id="3" name="Symbol zastępczy zawartości 2">
+            <a:extLst>
+              <a:ext uri="{FF2B5EF4-FFF2-40B4-BE49-F238E27FC236}">
+                <a16:creationId xmlns="" xmlns:a16="http://schemas.microsoft.com/office/drawing/2014/main" id="{626297C1-E4F6-4206-9D17-2167EEDA2DD3}"/>
+              </a:ext>
+            </a:extLst>
+          </p:cNvPr>
+          <p:cNvSpPr>
+            <a:spLocks noGrp="1"/>
+          </p:cNvSpPr>
+          <p:nvPr>
+            <p:ph idx="1"/>
+          </p:nvPr>
+        </p:nvSpPr>
+        <p:spPr/>
+        <p:txBody>
+          <a:bodyPr/>
+          <a:lstStyle/>
+          <a:p>
+            <a:r>
+              <a:rPr lang="en-US" dirty="0">
+                <a:latin typeface="Times New Roman" panose="02020603050405020304" pitchFamily="18" charset="0"/>
+                <a:cs typeface="Times New Roman" panose="02020603050405020304" pitchFamily="18" charset="0"/>
+              </a:rPr>
+              <a:t>[1] </a:t>
+            </a:r>
+            <a:r>
+              <a:rPr lang="pl-PL" dirty="0">
+                <a:effectLst/>
+                <a:latin typeface="Times New Roman" panose="02020603050405020304" pitchFamily="18" charset="0"/>
+                <a:cs typeface="Times New Roman" panose="02020603050405020304" pitchFamily="18" charset="0"/>
+              </a:rPr>
+              <a:t>ALGORYTMY WSTAWIEŃ DLA ZAGADNIENIA HARMONOGRAMOWANIA PROJEKTU ZE</a:t>
+            </a:r>
+            <a:r>
+              <a:rPr lang="en-US" dirty="0">
+                <a:effectLst/>
+                <a:latin typeface="Times New Roman" panose="02020603050405020304" pitchFamily="18" charset="0"/>
+                <a:cs typeface="Times New Roman" panose="02020603050405020304" pitchFamily="18" charset="0"/>
+              </a:rPr>
+              <a:t> </a:t>
+            </a:r>
+            <a:r>
+              <a:rPr lang="pl-PL" dirty="0">
+                <a:effectLst/>
+                <a:latin typeface="Times New Roman" panose="02020603050405020304" pitchFamily="18" charset="0"/>
+                <a:cs typeface="Times New Roman" panose="02020603050405020304" pitchFamily="18" charset="0"/>
+              </a:rPr>
+              <a:t>ZDEFINIOWANYMI KAMIENIAMI MILOWYMI</a:t>
+            </a:r>
+            <a:r>
+              <a:rPr lang="pl-PL" dirty="0">
+                <a:latin typeface="Times New Roman" panose="02020603050405020304" pitchFamily="18" charset="0"/>
+                <a:cs typeface="Times New Roman" panose="02020603050405020304" pitchFamily="18" charset="0"/>
+              </a:rPr>
+              <a:t/>
+            </a:r>
+            <a:br>
+              <a:rPr lang="pl-PL" dirty="0">
+                <a:latin typeface="Times New Roman" panose="02020603050405020304" pitchFamily="18" charset="0"/>
+                <a:cs typeface="Times New Roman" panose="02020603050405020304" pitchFamily="18" charset="0"/>
+              </a:rPr>
+            </a:br>
+            <a:r>
+              <a:rPr lang="pl-PL" dirty="0">
+                <a:effectLst/>
+                <a:latin typeface="Times New Roman" panose="02020603050405020304" pitchFamily="18" charset="0"/>
+                <a:cs typeface="Times New Roman" panose="02020603050405020304" pitchFamily="18" charset="0"/>
+              </a:rPr>
+              <a:t>Marcin KLIMEK, Piotr </a:t>
+            </a:r>
+            <a:r>
+              <a:rPr lang="pl-PL" dirty="0" smtClean="0">
+                <a:effectLst/>
+                <a:latin typeface="Times New Roman" panose="02020603050405020304" pitchFamily="18" charset="0"/>
+                <a:cs typeface="Times New Roman" panose="02020603050405020304" pitchFamily="18" charset="0"/>
+              </a:rPr>
+              <a:t>ŁEBKOWSKI</a:t>
+            </a:r>
+          </a:p>
+          <a:p>
+            <a:r>
+              <a:rPr lang="pl-PL" dirty="0" smtClean="0">
+                <a:latin typeface="Times New Roman" panose="02020603050405020304" pitchFamily="18" charset="0"/>
+                <a:cs typeface="Times New Roman" panose="02020603050405020304" pitchFamily="18" charset="0"/>
+              </a:rPr>
+              <a:t>[2</a:t>
+            </a:r>
+            <a:r>
+              <a:rPr lang="pl-PL" dirty="0">
+                <a:latin typeface="Times New Roman" panose="02020603050405020304" pitchFamily="18" charset="0"/>
+                <a:cs typeface="Times New Roman" panose="02020603050405020304" pitchFamily="18" charset="0"/>
+              </a:rPr>
+              <a:t>] ALGORYTMY SZEREGOWANIA </a:t>
+            </a:r>
+            <a:r>
+              <a:rPr lang="pl-PL" dirty="0" smtClean="0">
+                <a:latin typeface="Times New Roman" panose="02020603050405020304" pitchFamily="18" charset="0"/>
+                <a:cs typeface="Times New Roman" panose="02020603050405020304" pitchFamily="18" charset="0"/>
+              </a:rPr>
+              <a:t>ZADAŃ </a:t>
+            </a:r>
+            <a:br>
+              <a:rPr lang="pl-PL" dirty="0" smtClean="0">
+                <a:latin typeface="Times New Roman" panose="02020603050405020304" pitchFamily="18" charset="0"/>
+                <a:cs typeface="Times New Roman" panose="02020603050405020304" pitchFamily="18" charset="0"/>
+              </a:rPr>
+            </a:br>
+            <a:r>
+              <a:rPr lang="pl-PL" dirty="0" smtClean="0">
+                <a:latin typeface="Times New Roman" panose="02020603050405020304" pitchFamily="18" charset="0"/>
+                <a:cs typeface="Times New Roman" panose="02020603050405020304" pitchFamily="18" charset="0"/>
+              </a:rPr>
+              <a:t>Czesław </a:t>
+            </a:r>
+            <a:r>
+              <a:rPr lang="pl-PL" dirty="0" smtClean="0">
+                <a:latin typeface="Times New Roman" panose="02020603050405020304" pitchFamily="18" charset="0"/>
+                <a:cs typeface="Times New Roman" panose="02020603050405020304" pitchFamily="18" charset="0"/>
+              </a:rPr>
+              <a:t>SMUTNICKI</a:t>
+            </a:r>
+            <a:endParaRPr lang="en-US" dirty="0">
+              <a:effectLst/>
+              <a:latin typeface="Times New Roman" panose="02020603050405020304" pitchFamily="18" charset="0"/>
+              <a:cs typeface="Times New Roman" panose="02020603050405020304" pitchFamily="18" charset="0"/>
+            </a:endParaRPr>
+          </a:p>
+          <a:p>
+            <a:r>
+              <a:rPr lang="en-US" dirty="0" smtClean="0">
+                <a:latin typeface="Times New Roman" panose="02020603050405020304" pitchFamily="18" charset="0"/>
+              </a:rPr>
+              <a:t>[</a:t>
+            </a:r>
+            <a:r>
+              <a:rPr lang="pl-PL" dirty="0" smtClean="0">
+                <a:latin typeface="Times New Roman" panose="02020603050405020304" pitchFamily="18" charset="0"/>
+              </a:rPr>
+              <a:t>3</a:t>
+            </a:r>
+            <a:r>
+              <a:rPr lang="en-US" dirty="0" smtClean="0">
+                <a:latin typeface="Times New Roman" panose="02020603050405020304" pitchFamily="18" charset="0"/>
+              </a:rPr>
+              <a:t>] </a:t>
+            </a:r>
+            <a:r>
+              <a:rPr lang="en-US" dirty="0" err="1">
+                <a:latin typeface="Times New Roman" panose="02020603050405020304" pitchFamily="18" charset="0"/>
+              </a:rPr>
+              <a:t>Skrypt</a:t>
+            </a:r>
+            <a:r>
+              <a:rPr lang="en-US" dirty="0">
+                <a:latin typeface="Times New Roman" panose="02020603050405020304" pitchFamily="18" charset="0"/>
+              </a:rPr>
+              <a:t> </a:t>
+            </a:r>
+            <a:r>
+              <a:rPr lang="en-US" dirty="0" err="1">
+                <a:latin typeface="Times New Roman" panose="02020603050405020304" pitchFamily="18" charset="0"/>
+              </a:rPr>
+              <a:t>Badania</a:t>
+            </a:r>
+            <a:r>
+              <a:rPr lang="en-US" dirty="0">
+                <a:latin typeface="Times New Roman" panose="02020603050405020304" pitchFamily="18" charset="0"/>
+              </a:rPr>
+              <a:t> </a:t>
+            </a:r>
+            <a:r>
+              <a:rPr lang="en-US" dirty="0" err="1">
+                <a:latin typeface="Times New Roman" panose="02020603050405020304" pitchFamily="18" charset="0"/>
+              </a:rPr>
+              <a:t>Operacyjne</a:t>
+            </a:r>
+            <a:r>
+              <a:rPr lang="en-US" dirty="0">
+                <a:latin typeface="Times New Roman" panose="02020603050405020304" pitchFamily="18" charset="0"/>
+              </a:rPr>
+              <a:t> dr. </a:t>
+            </a:r>
+            <a:r>
+              <a:rPr lang="en-US" dirty="0" err="1">
+                <a:latin typeface="Times New Roman" panose="02020603050405020304" pitchFamily="18" charset="0"/>
+              </a:rPr>
+              <a:t>Kucharska</a:t>
+            </a:r>
+            <a:endParaRPr lang="en-US" dirty="0">
+              <a:latin typeface="Times New Roman" panose="02020603050405020304" pitchFamily="18" charset="0"/>
+            </a:endParaRPr>
+          </a:p>
+          <a:p>
+            <a:endParaRPr lang="en-US" dirty="0"/>
+          </a:p>
+        </p:txBody>
+      </p:sp>
+    </p:spTree>
+    <p:extLst>
+      <p:ext uri="{BB962C8B-B14F-4D97-AF65-F5344CB8AC3E}">
+        <p14:creationId xmlns:p14="http://schemas.microsoft.com/office/powerpoint/2010/main" val="2019628782"/>
+      </p:ext>
+    </p:extLst>
+  </p:cSld>
+  <p:clrMapOvr>
+    <a:masterClrMapping/>
+  </p:clrMapOvr>
+</p:sld>
+</file>
+
+<file path=ppt/slides/slide7.xml><?xml version="1.0" encoding="utf-8"?>
+<p:sld xmlns:a="http://schemas.openxmlformats.org/drawingml/2006/main" xmlns:r="http://schemas.openxmlformats.org/officeDocument/2006/relationships" xmlns:p="http://schemas.openxmlformats.org/presentationml/2006/main">
+  <p:cSld>
+    <p:spTree>
+      <p:nvGrpSpPr>
+        <p:cNvPr id="1" name=""/>
+        <p:cNvGrpSpPr/>
+        <p:nvPr/>
+      </p:nvGrpSpPr>
+      <p:grpSpPr>
+        <a:xfrm>
+          <a:off x="0" y="0"/>
+          <a:ext cx="0" cy="0"/>
+          <a:chOff x="0" y="0"/>
+          <a:chExt cx="0" cy="0"/>
+        </a:xfrm>
+      </p:grpSpPr>
+      <p:sp>
+        <p:nvSpPr>
+          <p:cNvPr id="2" name="Tytuł 1">
+            <a:extLst>
+              <a:ext uri="{FF2B5EF4-FFF2-40B4-BE49-F238E27FC236}">
+                <a16:creationId xmlns="" xmlns:a16="http://schemas.microsoft.com/office/drawing/2014/main" id="{EB985227-FA58-4362-BD16-A6F08589CE4F}"/>
               </a:ext>
             </a:extLst>
           </p:cNvPr>
